--- a/Predictive Fleet Maintenance Using Machine Learning.pptx
+++ b/Predictive Fleet Maintenance Using Machine Learning.pptx
@@ -1651,24 +1651,18 @@
           <a:pPr algn="ctr"/>
           <a:r>
             <a:rPr lang="en-US" sz="2000" dirty="0">
-              <a:effectLst>
-                <a:reflection blurRad="6350" stA="55000" endA="300" endPos="45500" dir="5400000" sy="-100000" algn="bl" rotWithShape="0"/>
-              </a:effectLst>
+              <a:effectLst/>
             </a:rPr>
             <a:t>Handle</a:t>
           </a:r>
           <a:r>
             <a:rPr lang="en-US" sz="1800" dirty="0">
-              <a:effectLst>
-                <a:reflection blurRad="6350" stA="55000" endA="300" endPos="45500" dir="5400000" sy="-100000" algn="bl" rotWithShape="0"/>
-              </a:effectLst>
+              <a:effectLst/>
             </a:rPr>
             <a:t> Missing Values</a:t>
           </a:r>
           <a:endParaRPr lang="en-GB" sz="1800" dirty="0">
-            <a:effectLst>
-              <a:reflection blurRad="6350" stA="55000" endA="300" endPos="45500" dir="5400000" sy="-100000" algn="bl" rotWithShape="0"/>
-            </a:effectLst>
+            <a:effectLst/>
           </a:endParaRPr>
         </a:p>
       </dgm:t>
@@ -1696,9 +1690,7 @@
         <a:lstStyle/>
         <a:p>
           <a:endParaRPr lang="en-GB">
-            <a:effectLst>
-              <a:reflection blurRad="6350" stA="55000" endA="300" endPos="45500" dir="5400000" sy="-100000" algn="bl" rotWithShape="0"/>
-            </a:effectLst>
+            <a:effectLst/>
           </a:endParaRPr>
         </a:p>
       </dgm:t>
@@ -1713,32 +1705,24 @@
           <a:pPr algn="ctr"/>
           <a:r>
             <a:rPr lang="en-US" sz="1400" dirty="0">
-              <a:effectLst>
-                <a:reflection blurRad="6350" stA="55000" endA="300" endPos="45500" dir="5400000" sy="-100000" algn="bl" rotWithShape="0"/>
-              </a:effectLst>
+              <a:effectLst/>
             </a:rPr>
             <a:t>Remove </a:t>
           </a:r>
           <a:r>
             <a:rPr lang="en-US" sz="1600" dirty="0">
-              <a:effectLst>
-                <a:reflection blurRad="6350" stA="55000" endA="300" endPos="45500" dir="5400000" sy="-100000" algn="bl" rotWithShape="0"/>
-              </a:effectLst>
+              <a:effectLst/>
             </a:rPr>
             <a:t>features</a:t>
           </a:r>
           <a:r>
             <a:rPr lang="en-US" sz="1400" dirty="0">
-              <a:effectLst>
-                <a:reflection blurRad="6350" stA="55000" endA="300" endPos="45500" dir="5400000" sy="-100000" algn="bl" rotWithShape="0"/>
-              </a:effectLst>
+              <a:effectLst/>
             </a:rPr>
             <a:t> with high null values, Impute with median</a:t>
           </a:r>
           <a:endParaRPr lang="en-GB" sz="1400" dirty="0">
-            <a:effectLst>
-              <a:reflection blurRad="6350" stA="55000" endA="300" endPos="45500" dir="5400000" sy="-100000" algn="bl" rotWithShape="0"/>
-            </a:effectLst>
+            <a:effectLst/>
           </a:endParaRPr>
         </a:p>
       </dgm:t>
@@ -1783,16 +1767,12 @@
           <a:pPr algn="ctr"/>
           <a:r>
             <a:rPr lang="en-US" dirty="0">
-              <a:effectLst>
-                <a:reflection blurRad="6350" stA="55000" endA="300" endPos="45500" dir="5400000" sy="-100000" algn="bl" rotWithShape="0"/>
-              </a:effectLst>
+              <a:effectLst/>
             </a:rPr>
             <a:t>Drop Correlated Features</a:t>
           </a:r>
           <a:endParaRPr lang="en-GB" dirty="0">
-            <a:effectLst>
-              <a:reflection blurRad="6350" stA="55000" endA="300" endPos="45500" dir="5400000" sy="-100000" algn="bl" rotWithShape="0"/>
-            </a:effectLst>
+            <a:effectLst/>
           </a:endParaRPr>
         </a:p>
       </dgm:t>
@@ -1820,9 +1800,7 @@
         <a:lstStyle/>
         <a:p>
           <a:endParaRPr lang="en-GB">
-            <a:effectLst>
-              <a:reflection blurRad="6350" stA="55000" endA="300" endPos="45500" dir="5400000" sy="-100000" algn="bl" rotWithShape="0"/>
-            </a:effectLst>
+            <a:effectLst/>
           </a:endParaRPr>
         </a:p>
       </dgm:t>
@@ -1839,17 +1817,13 @@
           </a:pPr>
           <a:r>
             <a:rPr lang="en-US" dirty="0">
-              <a:effectLst>
-                <a:reflection blurRad="6350" stA="55000" endA="300" endPos="45500" dir="5400000" sy="-100000" algn="bl" rotWithShape="0"/>
-              </a:effectLst>
+              <a:effectLst/>
             </a:rPr>
             <a:t>Remove highly correlated (|r| &gt; 0.9), </a:t>
           </a:r>
           <a:r>
             <a:rPr lang="en-GB" dirty="0">
-              <a:effectLst>
-                <a:reflection blurRad="6350" stA="55000" endA="300" endPos="45500" dir="5400000" sy="-100000" algn="bl" rotWithShape="0"/>
-              </a:effectLst>
+              <a:effectLst/>
             </a:rPr>
             <a:t>Reduce multicollinearity</a:t>
           </a:r>
@@ -1896,16 +1870,12 @@
           <a:pPr algn="ctr"/>
           <a:r>
             <a:rPr lang="en-US" dirty="0">
-              <a:effectLst>
-                <a:reflection blurRad="6350" stA="55000" endA="300" endPos="45500" dir="5400000" sy="-100000" algn="bl" rotWithShape="0"/>
-              </a:effectLst>
+              <a:effectLst/>
             </a:rPr>
             <a:t>Feature Scaling</a:t>
           </a:r>
           <a:endParaRPr lang="en-GB" dirty="0">
-            <a:effectLst>
-              <a:reflection blurRad="6350" stA="55000" endA="300" endPos="45500" dir="5400000" sy="-100000" algn="bl" rotWithShape="0"/>
-            </a:effectLst>
+            <a:effectLst/>
           </a:endParaRPr>
         </a:p>
       </dgm:t>
@@ -1933,9 +1903,7 @@
         <a:lstStyle/>
         <a:p>
           <a:endParaRPr lang="en-GB">
-            <a:effectLst>
-              <a:reflection blurRad="6350" stA="55000" endA="300" endPos="45500" dir="5400000" sy="-100000" algn="bl" rotWithShape="0"/>
-            </a:effectLst>
+            <a:effectLst/>
           </a:endParaRPr>
         </a:p>
       </dgm:t>
@@ -1952,16 +1920,12 @@
           </a:pPr>
           <a:r>
             <a:rPr lang="en-US" dirty="0">
-              <a:effectLst>
-                <a:reflection blurRad="6350" stA="55000" endA="300" endPos="45500" dir="5400000" sy="-100000" algn="bl" rotWithShape="0"/>
-              </a:effectLst>
+              <a:effectLst/>
             </a:rPr>
             <a:t>Normalize features by standardizing scale for model stability</a:t>
           </a:r>
           <a:endParaRPr lang="en-GB" dirty="0">
-            <a:effectLst>
-              <a:reflection blurRad="6350" stA="55000" endA="300" endPos="45500" dir="5400000" sy="-100000" algn="bl" rotWithShape="0"/>
-            </a:effectLst>
+            <a:effectLst/>
           </a:endParaRPr>
         </a:p>
       </dgm:t>
@@ -2006,16 +1970,12 @@
           <a:pPr algn="ctr"/>
           <a:r>
             <a:rPr lang="en-US" dirty="0">
-              <a:effectLst>
-                <a:reflection blurRad="6350" stA="55000" endA="300" endPos="45500" dir="5400000" sy="-100000" algn="bl" rotWithShape="0"/>
-              </a:effectLst>
+              <a:effectLst/>
             </a:rPr>
             <a:t>Balancing Data</a:t>
           </a:r>
           <a:endParaRPr lang="en-GB" dirty="0">
-            <a:effectLst>
-              <a:reflection blurRad="6350" stA="55000" endA="300" endPos="45500" dir="5400000" sy="-100000" algn="bl" rotWithShape="0"/>
-            </a:effectLst>
+            <a:effectLst/>
           </a:endParaRPr>
         </a:p>
       </dgm:t>
@@ -2060,16 +2020,12 @@
           <a:pPr algn="ctr"/>
           <a:r>
             <a:rPr lang="en-US" dirty="0">
-              <a:effectLst>
-                <a:reflection blurRad="6350" stA="55000" endA="300" endPos="45500" dir="5400000" sy="-100000" algn="bl" rotWithShape="0"/>
-              </a:effectLst>
+              <a:effectLst/>
             </a:rPr>
             <a:t>Oversampling of minority class for balance distribution</a:t>
           </a:r>
           <a:endParaRPr lang="en-GB" dirty="0">
-            <a:effectLst>
-              <a:reflection blurRad="6350" stA="55000" endA="300" endPos="45500" dir="5400000" sy="-100000" algn="bl" rotWithShape="0"/>
-            </a:effectLst>
+            <a:effectLst/>
           </a:endParaRPr>
         </a:p>
       </dgm:t>
@@ -2880,24 +2836,18 @@
           </a:pPr>
           <a:r>
             <a:rPr lang="en-US" sz="2000" kern="1200" dirty="0">
-              <a:effectLst>
-                <a:reflection blurRad="6350" stA="55000" endA="300" endPos="45500" dir="5400000" sy="-100000" algn="bl" rotWithShape="0"/>
-              </a:effectLst>
+              <a:effectLst/>
             </a:rPr>
             <a:t>Handle</a:t>
           </a:r>
           <a:r>
             <a:rPr lang="en-US" sz="1800" kern="1200" dirty="0">
-              <a:effectLst>
-                <a:reflection blurRad="6350" stA="55000" endA="300" endPos="45500" dir="5400000" sy="-100000" algn="bl" rotWithShape="0"/>
-              </a:effectLst>
+              <a:effectLst/>
             </a:rPr>
             <a:t> Missing Values</a:t>
           </a:r>
           <a:endParaRPr lang="en-GB" sz="1800" kern="1200" dirty="0">
-            <a:effectLst>
-              <a:reflection blurRad="6350" stA="55000" endA="300" endPos="45500" dir="5400000" sy="-100000" algn="bl" rotWithShape="0"/>
-            </a:effectLst>
+            <a:effectLst/>
           </a:endParaRPr>
         </a:p>
         <a:p>
@@ -2915,32 +2865,24 @@
           </a:pPr>
           <a:r>
             <a:rPr lang="en-US" sz="1400" kern="1200" dirty="0">
-              <a:effectLst>
-                <a:reflection blurRad="6350" stA="55000" endA="300" endPos="45500" dir="5400000" sy="-100000" algn="bl" rotWithShape="0"/>
-              </a:effectLst>
+              <a:effectLst/>
             </a:rPr>
             <a:t>Remove </a:t>
           </a:r>
           <a:r>
             <a:rPr lang="en-US" sz="1600" kern="1200" dirty="0">
-              <a:effectLst>
-                <a:reflection blurRad="6350" stA="55000" endA="300" endPos="45500" dir="5400000" sy="-100000" algn="bl" rotWithShape="0"/>
-              </a:effectLst>
+              <a:effectLst/>
             </a:rPr>
             <a:t>features</a:t>
           </a:r>
           <a:r>
             <a:rPr lang="en-US" sz="1400" kern="1200" dirty="0">
-              <a:effectLst>
-                <a:reflection blurRad="6350" stA="55000" endA="300" endPos="45500" dir="5400000" sy="-100000" algn="bl" rotWithShape="0"/>
-              </a:effectLst>
+              <a:effectLst/>
             </a:rPr>
             <a:t> with high null values, Impute with median</a:t>
           </a:r>
           <a:endParaRPr lang="en-GB" sz="1400" kern="1200" dirty="0">
-            <a:effectLst>
-              <a:reflection blurRad="6350" stA="55000" endA="300" endPos="45500" dir="5400000" sy="-100000" algn="bl" rotWithShape="0"/>
-            </a:effectLst>
+            <a:effectLst/>
           </a:endParaRPr>
         </a:p>
       </dsp:txBody>
@@ -3024,9 +2966,7 @@
             <a:buNone/>
           </a:pPr>
           <a:endParaRPr lang="en-GB" sz="1500" kern="1200">
-            <a:effectLst>
-              <a:reflection blurRad="6350" stA="55000" endA="300" endPos="45500" dir="5400000" sy="-100000" algn="bl" rotWithShape="0"/>
-            </a:effectLst>
+            <a:effectLst/>
           </a:endParaRPr>
         </a:p>
       </dsp:txBody>
@@ -3109,16 +3049,12 @@
           </a:pPr>
           <a:r>
             <a:rPr lang="en-US" sz="1900" kern="1200" dirty="0">
-              <a:effectLst>
-                <a:reflection blurRad="6350" stA="55000" endA="300" endPos="45500" dir="5400000" sy="-100000" algn="bl" rotWithShape="0"/>
-              </a:effectLst>
+              <a:effectLst/>
             </a:rPr>
             <a:t>Drop Correlated Features</a:t>
           </a:r>
           <a:endParaRPr lang="en-GB" sz="1900" kern="1200" dirty="0">
-            <a:effectLst>
-              <a:reflection blurRad="6350" stA="55000" endA="300" endPos="45500" dir="5400000" sy="-100000" algn="bl" rotWithShape="0"/>
-            </a:effectLst>
+            <a:effectLst/>
           </a:endParaRPr>
         </a:p>
         <a:p>
@@ -3136,17 +3072,13 @@
           </a:pPr>
           <a:r>
             <a:rPr lang="en-US" sz="1500" kern="1200" dirty="0">
-              <a:effectLst>
-                <a:reflection blurRad="6350" stA="55000" endA="300" endPos="45500" dir="5400000" sy="-100000" algn="bl" rotWithShape="0"/>
-              </a:effectLst>
+              <a:effectLst/>
             </a:rPr>
             <a:t>Remove highly correlated (|r| &gt; 0.9), </a:t>
           </a:r>
           <a:r>
             <a:rPr lang="en-GB" sz="1500" kern="1200" dirty="0">
-              <a:effectLst>
-                <a:reflection blurRad="6350" stA="55000" endA="300" endPos="45500" dir="5400000" sy="-100000" algn="bl" rotWithShape="0"/>
-              </a:effectLst>
+              <a:effectLst/>
             </a:rPr>
             <a:t>Reduce multicollinearity</a:t>
           </a:r>
@@ -3232,9 +3164,7 @@
             <a:buNone/>
           </a:pPr>
           <a:endParaRPr lang="en-GB" sz="1500" kern="1200">
-            <a:effectLst>
-              <a:reflection blurRad="6350" stA="55000" endA="300" endPos="45500" dir="5400000" sy="-100000" algn="bl" rotWithShape="0"/>
-            </a:effectLst>
+            <a:effectLst/>
           </a:endParaRPr>
         </a:p>
       </dsp:txBody>
@@ -3317,16 +3247,12 @@
           </a:pPr>
           <a:r>
             <a:rPr lang="en-US" sz="1900" kern="1200" dirty="0">
-              <a:effectLst>
-                <a:reflection blurRad="6350" stA="55000" endA="300" endPos="45500" dir="5400000" sy="-100000" algn="bl" rotWithShape="0"/>
-              </a:effectLst>
+              <a:effectLst/>
             </a:rPr>
             <a:t>Feature Scaling</a:t>
           </a:r>
           <a:endParaRPr lang="en-GB" sz="1900" kern="1200" dirty="0">
-            <a:effectLst>
-              <a:reflection blurRad="6350" stA="55000" endA="300" endPos="45500" dir="5400000" sy="-100000" algn="bl" rotWithShape="0"/>
-            </a:effectLst>
+            <a:effectLst/>
           </a:endParaRPr>
         </a:p>
         <a:p>
@@ -3344,16 +3270,12 @@
           </a:pPr>
           <a:r>
             <a:rPr lang="en-US" sz="1500" kern="1200" dirty="0">
-              <a:effectLst>
-                <a:reflection blurRad="6350" stA="55000" endA="300" endPos="45500" dir="5400000" sy="-100000" algn="bl" rotWithShape="0"/>
-              </a:effectLst>
+              <a:effectLst/>
             </a:rPr>
             <a:t>Normalize features by standardizing scale for model stability</a:t>
           </a:r>
           <a:endParaRPr lang="en-GB" sz="1500" kern="1200" dirty="0">
-            <a:effectLst>
-              <a:reflection blurRad="6350" stA="55000" endA="300" endPos="45500" dir="5400000" sy="-100000" algn="bl" rotWithShape="0"/>
-            </a:effectLst>
+            <a:effectLst/>
           </a:endParaRPr>
         </a:p>
       </dsp:txBody>
@@ -3437,9 +3359,7 @@
             <a:buNone/>
           </a:pPr>
           <a:endParaRPr lang="en-GB" sz="1500" kern="1200">
-            <a:effectLst>
-              <a:reflection blurRad="6350" stA="55000" endA="300" endPos="45500" dir="5400000" sy="-100000" algn="bl" rotWithShape="0"/>
-            </a:effectLst>
+            <a:effectLst/>
           </a:endParaRPr>
         </a:p>
       </dsp:txBody>
@@ -3522,16 +3442,12 @@
           </a:pPr>
           <a:r>
             <a:rPr lang="en-US" sz="1900" kern="1200" dirty="0">
-              <a:effectLst>
-                <a:reflection blurRad="6350" stA="55000" endA="300" endPos="45500" dir="5400000" sy="-100000" algn="bl" rotWithShape="0"/>
-              </a:effectLst>
+              <a:effectLst/>
             </a:rPr>
             <a:t>Balancing Data</a:t>
           </a:r>
           <a:endParaRPr lang="en-GB" sz="1900" kern="1200" dirty="0">
-            <a:effectLst>
-              <a:reflection blurRad="6350" stA="55000" endA="300" endPos="45500" dir="5400000" sy="-100000" algn="bl" rotWithShape="0"/>
-            </a:effectLst>
+            <a:effectLst/>
           </a:endParaRPr>
         </a:p>
         <a:p>
@@ -3549,16 +3465,12 @@
           </a:pPr>
           <a:r>
             <a:rPr lang="en-US" sz="1500" kern="1200" dirty="0">
-              <a:effectLst>
-                <a:reflection blurRad="6350" stA="55000" endA="300" endPos="45500" dir="5400000" sy="-100000" algn="bl" rotWithShape="0"/>
-              </a:effectLst>
+              <a:effectLst/>
             </a:rPr>
             <a:t>Oversampling of minority class for balance distribution</a:t>
           </a:r>
           <a:endParaRPr lang="en-GB" sz="1500" kern="1200" dirty="0">
-            <a:effectLst>
-              <a:reflection blurRad="6350" stA="55000" endA="300" endPos="45500" dir="5400000" sy="-100000" algn="bl" rotWithShape="0"/>
-            </a:effectLst>
+            <a:effectLst/>
           </a:endParaRPr>
         </a:p>
       </dsp:txBody>
@@ -7298,7 +7210,7 @@
             <a:pPr rtl="0"/>
             <a:fld id="{2086C934-6375-4D1D-8CE6-4E46436002A3}" type="datetime1">
               <a:rPr lang="en-GB" smtClean="0"/>
-              <a:t>05/10/2025</a:t>
+              <a:t>06/10/2025</a:t>
             </a:fld>
             <a:endParaRPr lang="en-GB" dirty="0"/>
           </a:p>
@@ -7480,7 +7392,7 @@
             <a:pPr rtl="0"/>
             <a:fld id="{7A25BC0A-8F03-40C9-A95B-D936CEA53091}" type="datetime1">
               <a:rPr lang="en-GB" noProof="0" smtClean="0"/>
-              <a:t>05/10/2025</a:t>
+              <a:t>06/10/2025</a:t>
             </a:fld>
             <a:endParaRPr lang="en-GB" noProof="0" dirty="0"/>
           </a:p>
@@ -8281,7 +8193,7 @@
             <a:pPr rtl="0"/>
             <a:fld id="{8B6CDF7A-5782-4BFB-9741-BDA94A9A8CCD}" type="datetime1">
               <a:rPr lang="en-GB" noProof="0" smtClean="0"/>
-              <a:t>05/10/2025</a:t>
+              <a:t>06/10/2025</a:t>
             </a:fld>
             <a:endParaRPr lang="en-GB" noProof="0" dirty="0"/>
           </a:p>
@@ -8906,7 +8818,7 @@
             <a:pPr rtl="0"/>
             <a:fld id="{5381C84A-94BF-4F61-9D72-BBC38B7BEA6B}" type="datetime1">
               <a:rPr lang="en-GB" noProof="0" smtClean="0"/>
-              <a:t>05/10/2025</a:t>
+              <a:t>06/10/2025</a:t>
             </a:fld>
             <a:endParaRPr lang="en-GB" noProof="0" dirty="0"/>
           </a:p>
@@ -9260,7 +9172,7 @@
             <a:pPr rtl="0"/>
             <a:fld id="{7DA899C1-E91D-42DC-A9F2-B16A4FEA8ADA}" type="datetime1">
               <a:rPr lang="en-GB" noProof="0" smtClean="0"/>
-              <a:t>05/10/2025</a:t>
+              <a:t>06/10/2025</a:t>
             </a:fld>
             <a:endParaRPr lang="en-GB" noProof="0" dirty="0"/>
           </a:p>
@@ -9663,7 +9575,7 @@
             <a:pPr rtl="0"/>
             <a:fld id="{A8078D24-98B8-4084-A630-7E4AB05C25B2}" type="datetime1">
               <a:rPr lang="en-GB" noProof="0" smtClean="0"/>
-              <a:t>05/10/2025</a:t>
+              <a:t>06/10/2025</a:t>
             </a:fld>
             <a:endParaRPr lang="en-GB" noProof="0" dirty="0"/>
           </a:p>
@@ -9994,7 +9906,7 @@
             <a:pPr rtl="0"/>
             <a:fld id="{2FB4C1CF-5DBD-4E95-8903-3040018E7AE9}" type="datetime1">
               <a:rPr lang="en-GB" noProof="0" smtClean="0"/>
-              <a:t>05/10/2025</a:t>
+              <a:t>06/10/2025</a:t>
             </a:fld>
             <a:endParaRPr lang="en-GB" noProof="0" dirty="0"/>
           </a:p>
@@ -10289,7 +10201,7 @@
             <a:pPr rtl="0"/>
             <a:fld id="{02BC5958-74AC-40E1-B36D-E9BF2B12676B}" type="datetime1">
               <a:rPr lang="en-GB" noProof="0" smtClean="0"/>
-              <a:t>05/10/2025</a:t>
+              <a:t>06/10/2025</a:t>
             </a:fld>
             <a:endParaRPr lang="en-GB" noProof="0" dirty="0"/>
           </a:p>
@@ -10677,7 +10589,7 @@
             <a:pPr rtl="0"/>
             <a:fld id="{594DE713-3938-41E6-A5C4-F4F0F06F1CA6}" type="datetime1">
               <a:rPr lang="en-GB" noProof="0" smtClean="0"/>
-              <a:t>05/10/2025</a:t>
+              <a:t>06/10/2025</a:t>
             </a:fld>
             <a:endParaRPr lang="en-GB" noProof="0" dirty="0"/>
           </a:p>
@@ -11042,7 +10954,7 @@
             <a:pPr rtl="0"/>
             <a:fld id="{236D70E3-C88F-4070-B978-D1EB375E4B6B}" type="datetime1">
               <a:rPr lang="en-GB" noProof="0" smtClean="0"/>
-              <a:t>05/10/2025</a:t>
+              <a:t>06/10/2025</a:t>
             </a:fld>
             <a:endParaRPr lang="en-GB" noProof="0" dirty="0"/>
           </a:p>
@@ -11532,7 +11444,7 @@
             <a:pPr rtl="0"/>
             <a:fld id="{5C596D25-5384-4528-B3DF-4765F4920A6F}" type="datetime1">
               <a:rPr lang="en-GB" noProof="0" smtClean="0"/>
-              <a:t>05/10/2025</a:t>
+              <a:t>06/10/2025</a:t>
             </a:fld>
             <a:endParaRPr lang="en-GB" noProof="0" dirty="0"/>
           </a:p>
@@ -12029,7 +11941,7 @@
             <a:pPr rtl="0"/>
             <a:fld id="{66F10E8D-9DE9-4BA2-9DE7-9539C6E58346}" type="datetime1">
               <a:rPr lang="en-GB" noProof="0" smtClean="0"/>
-              <a:t>05/10/2025</a:t>
+              <a:t>06/10/2025</a:t>
             </a:fld>
             <a:endParaRPr lang="en-GB" noProof="0" dirty="0"/>
           </a:p>
@@ -12463,7 +12375,7 @@
             <a:pPr rtl="0"/>
             <a:fld id="{D711AFC5-9262-48BC-B009-879B4CCB92B9}" type="datetime1">
               <a:rPr lang="en-GB" noProof="0" smtClean="0"/>
-              <a:t>05/10/2025</a:t>
+              <a:t>06/10/2025</a:t>
             </a:fld>
             <a:endParaRPr lang="en-GB" noProof="0" dirty="0"/>
           </a:p>
@@ -12755,7 +12667,7 @@
             <a:pPr rtl="0"/>
             <a:fld id="{4A68FBA9-D7E7-4BDE-9711-87C58BC9B7DA}" type="datetime1">
               <a:rPr lang="en-GB" noProof="0" smtClean="0"/>
-              <a:t>05/10/2025</a:t>
+              <a:t>06/10/2025</a:t>
             </a:fld>
             <a:endParaRPr lang="en-GB" noProof="0" dirty="0"/>
           </a:p>
@@ -13155,7 +13067,7 @@
             <a:pPr rtl="0"/>
             <a:fld id="{CF9CAC54-C20B-4915-83DE-3E34105F1CD2}" type="datetime1">
               <a:rPr lang="en-GB" noProof="0" smtClean="0"/>
-              <a:t>05/10/2025</a:t>
+              <a:t>06/10/2025</a:t>
             </a:fld>
             <a:endParaRPr lang="en-GB" noProof="0" dirty="0"/>
           </a:p>
@@ -13357,7 +13269,7 @@
             <a:pPr rtl="0"/>
             <a:fld id="{5313E733-4E17-4F67-A8F6-05A60360C7A8}" type="datetime1">
               <a:rPr lang="en-GB" noProof="0" smtClean="0"/>
-              <a:t>05/10/2025</a:t>
+              <a:t>06/10/2025</a:t>
             </a:fld>
             <a:endParaRPr lang="en-GB" noProof="0" dirty="0"/>
           </a:p>
@@ -13630,7 +13542,7 @@
           <a:p>
             <a:fld id="{E58E86CE-BCE8-4B94-B7AB-A18BDD57DC8A}" type="datetime1">
               <a:rPr lang="en-GB" smtClean="0"/>
-              <a:t>05/10/2025</a:t>
+              <a:t>06/10/2025</a:t>
             </a:fld>
             <a:endParaRPr lang="en-GB"/>
           </a:p>
@@ -13830,7 +13742,7 @@
           <a:p>
             <a:fld id="{5D4D3EBF-5968-436B-8FF2-60B80F271E7F}" type="datetime1">
               <a:rPr lang="en-GB" smtClean="0"/>
-              <a:t>05/10/2025</a:t>
+              <a:t>06/10/2025</a:t>
             </a:fld>
             <a:endParaRPr lang="en-GB"/>
           </a:p>
@@ -14106,7 +14018,7 @@
           <a:p>
             <a:fld id="{ADC8DA51-7D45-4FF9-A958-B2D4364E33AF}" type="datetime1">
               <a:rPr lang="en-GB" smtClean="0"/>
-              <a:t>05/10/2025</a:t>
+              <a:t>06/10/2025</a:t>
             </a:fld>
             <a:endParaRPr lang="en-GB"/>
           </a:p>
@@ -14374,7 +14286,7 @@
           <a:p>
             <a:fld id="{D110625A-7A0C-4152-97CD-7875FD65E1F1}" type="datetime1">
               <a:rPr lang="en-GB" smtClean="0"/>
-              <a:t>05/10/2025</a:t>
+              <a:t>06/10/2025</a:t>
             </a:fld>
             <a:endParaRPr lang="en-GB"/>
           </a:p>
@@ -14794,7 +14706,7 @@
           <a:p>
             <a:fld id="{A30EC171-5209-4558-9ACE-6B8158CB11B0}" type="datetime1">
               <a:rPr lang="en-GB" smtClean="0"/>
-              <a:t>05/10/2025</a:t>
+              <a:t>06/10/2025</a:t>
             </a:fld>
             <a:endParaRPr lang="en-GB"/>
           </a:p>
@@ -14936,7 +14848,7 @@
           <a:p>
             <a:fld id="{AB9D0990-982F-4093-9B5C-ABDEAC11DEFD}" type="datetime1">
               <a:rPr lang="en-GB" smtClean="0"/>
-              <a:t>05/10/2025</a:t>
+              <a:t>06/10/2025</a:t>
             </a:fld>
             <a:endParaRPr lang="en-GB"/>
           </a:p>
@@ -15049,7 +14961,7 @@
           <a:p>
             <a:fld id="{458A9C41-CF60-4134-B911-49AC72C14F9D}" type="datetime1">
               <a:rPr lang="en-GB" smtClean="0"/>
-              <a:t>05/10/2025</a:t>
+              <a:t>06/10/2025</a:t>
             </a:fld>
             <a:endParaRPr lang="en-GB"/>
           </a:p>
@@ -15362,7 +15274,7 @@
           <a:p>
             <a:fld id="{F6BEFAE8-BC84-4297-89C7-964F32031326}" type="datetime1">
               <a:rPr lang="en-GB" smtClean="0"/>
-              <a:t>05/10/2025</a:t>
+              <a:t>06/10/2025</a:t>
             </a:fld>
             <a:endParaRPr lang="en-GB"/>
           </a:p>
@@ -15552,7 +15464,7 @@
             <a:pPr rtl="0"/>
             <a:fld id="{FD90DF3E-B2F1-47FD-AADA-9678DF9AF826}" type="datetime1">
               <a:rPr lang="en-GB" noProof="0" smtClean="0"/>
-              <a:t>05/10/2025</a:t>
+              <a:t>06/10/2025</a:t>
             </a:fld>
             <a:endParaRPr lang="en-GB" noProof="0" dirty="0"/>
           </a:p>
@@ -15843,7 +15755,7 @@
           <a:p>
             <a:fld id="{D87AA382-FC7C-420E-9D8F-8B2E2EDFBEC6}" type="datetime1">
               <a:rPr lang="en-GB" smtClean="0"/>
-              <a:t>05/10/2025</a:t>
+              <a:t>06/10/2025</a:t>
             </a:fld>
             <a:endParaRPr lang="en-GB"/>
           </a:p>
@@ -16043,7 +15955,7 @@
           <a:p>
             <a:fld id="{C41790EA-54EC-4AAE-8922-A431939399AA}" type="datetime1">
               <a:rPr lang="en-GB" smtClean="0"/>
-              <a:t>05/10/2025</a:t>
+              <a:t>06/10/2025</a:t>
             </a:fld>
             <a:endParaRPr lang="en-GB"/>
           </a:p>
@@ -16253,7 +16165,7 @@
           <a:p>
             <a:fld id="{B104391E-3F09-4297-A894-E3CF65954A7C}" type="datetime1">
               <a:rPr lang="en-GB" smtClean="0"/>
-              <a:t>05/10/2025</a:t>
+              <a:t>06/10/2025</a:t>
             </a:fld>
             <a:endParaRPr lang="en-GB"/>
           </a:p>
@@ -16448,7 +16360,7 @@
             <a:pPr rtl="0"/>
             <a:fld id="{688CA92D-BA6A-453F-A201-CA7E4226D052}" type="datetime1">
               <a:rPr lang="en-GB" noProof="0" smtClean="0"/>
-              <a:t>05/10/2025</a:t>
+              <a:t>06/10/2025</a:t>
             </a:fld>
             <a:endParaRPr lang="en-GB" noProof="0" dirty="0"/>
           </a:p>
@@ -16905,7 +16817,7 @@
             <a:pPr rtl="0"/>
             <a:fld id="{A134C5B1-9189-4E74-BCAA-868F46086F42}" type="datetime1">
               <a:rPr lang="en-GB" noProof="0" smtClean="0"/>
-              <a:t>05/10/2025</a:t>
+              <a:t>06/10/2025</a:t>
             </a:fld>
             <a:endParaRPr lang="en-GB" noProof="0" dirty="0"/>
           </a:p>
@@ -17486,7 +17398,7 @@
             <a:pPr rtl="0"/>
             <a:fld id="{FBEB6776-0CDC-4206-B5B2-E38A12BA5354}" type="datetime1">
               <a:rPr lang="en-GB" noProof="0" smtClean="0"/>
-              <a:t>05/10/2025</a:t>
+              <a:t>06/10/2025</a:t>
             </a:fld>
             <a:endParaRPr lang="en-GB" noProof="0" dirty="0"/>
           </a:p>
@@ -17887,7 +17799,7 @@
             <a:pPr rtl="0"/>
             <a:fld id="{FFB8665D-BB55-4CA5-8E80-73A8D0930E14}" type="datetime1">
               <a:rPr lang="en-GB" noProof="0" smtClean="0"/>
-              <a:t>05/10/2025</a:t>
+              <a:t>06/10/2025</a:t>
             </a:fld>
             <a:endParaRPr lang="en-GB" noProof="0" dirty="0"/>
           </a:p>
@@ -18032,7 +17944,7 @@
             <a:pPr rtl="0"/>
             <a:fld id="{FF3AF1AD-2658-4FD2-B649-8B95B560136E}" type="datetime1">
               <a:rPr lang="en-GB" noProof="0" smtClean="0"/>
-              <a:t>05/10/2025</a:t>
+              <a:t>06/10/2025</a:t>
             </a:fld>
             <a:endParaRPr lang="en-GB" noProof="0" dirty="0"/>
           </a:p>
@@ -18221,7 +18133,7 @@
             <a:pPr rtl="0"/>
             <a:fld id="{01DAE93D-C0A2-41DB-ABF7-9B9B6FFFAF29}" type="datetime1">
               <a:rPr lang="en-GB" noProof="0" smtClean="0"/>
-              <a:t>05/10/2025</a:t>
+              <a:t>06/10/2025</a:t>
             </a:fld>
             <a:endParaRPr lang="en-GB" noProof="0" dirty="0"/>
           </a:p>
@@ -18536,7 +18448,7 @@
             <a:pPr rtl="0"/>
             <a:fld id="{D30E9D32-CC80-44E8-B49D-D777F8B420A4}" type="datetime1">
               <a:rPr lang="en-GB" noProof="0" smtClean="0"/>
-              <a:t>05/10/2025</a:t>
+              <a:t>06/10/2025</a:t>
             </a:fld>
             <a:endParaRPr lang="en-GB" noProof="0" dirty="0"/>
           </a:p>
@@ -19275,7 +19187,7 @@
           <a:p>
             <a:fld id="{F0A79BC6-92F7-407A-802D-9A07603C0C77}" type="datetime1">
               <a:rPr lang="en-GB" smtClean="0"/>
-              <a:t>05/10/2025</a:t>
+              <a:t>06/10/2025</a:t>
             </a:fld>
             <a:endParaRPr lang="en-GB"/>
           </a:p>
@@ -19750,8 +19662,28 @@
           </a:xfrm>
         </p:spPr>
         <p:txBody>
-          <a:bodyPr rtlCol="0"/>
+          <a:bodyPr rtlCol="0">
+            <a:normAutofit lnSpcReduction="10000"/>
+          </a:bodyPr>
           <a:lstStyle/>
+          <a:p>
+            <a:pPr rtl="0"/>
+            <a:endParaRPr lang="en-GB" b="1" dirty="0">
+              <a:latin typeface="+mj-lt"/>
+            </a:endParaRPr>
+          </a:p>
+          <a:p>
+            <a:pPr rtl="0"/>
+            <a:endParaRPr lang="en-GB" b="1" dirty="0">
+              <a:latin typeface="+mj-lt"/>
+            </a:endParaRPr>
+          </a:p>
+          <a:p>
+            <a:pPr rtl="0"/>
+            <a:endParaRPr lang="en-GB" b="1" dirty="0">
+              <a:latin typeface="+mj-lt"/>
+            </a:endParaRPr>
+          </a:p>
           <a:p>
             <a:pPr rtl="0"/>
             <a:r>
@@ -22457,7 +22389,7 @@
         </p:nvSpPr>
         <p:spPr>
           <a:xfrm>
-            <a:off x="365014" y="1645342"/>
+            <a:off x="398483" y="1655517"/>
             <a:ext cx="11285518" cy="4708981"/>
           </a:xfrm>
           <a:prstGeom prst="rect">
@@ -22575,7 +22507,46 @@
                 <a:ea typeface="Calibri" panose="020F0502020204030204" pitchFamily="34" charset="0"/>
                 <a:cs typeface="Calibri" panose="020F0502020204030204" pitchFamily="34" charset="0"/>
               </a:rPr>
-              <a:t>Today, Scania is transforming from a vehicle manufacturer into a </a:t>
+              <a:t>Today, Scania is </a:t>
+            </a:r>
+            <a:r>
+              <a:rPr lang="en-GB" sz="2000" b="1" dirty="0">
+                <a:solidFill>
+                  <a:schemeClr val="bg2">
+                    <a:lumMod val="50000"/>
+                  </a:schemeClr>
+                </a:solidFill>
+                <a:latin typeface="Calibri" panose="020F0502020204030204" pitchFamily="34" charset="0"/>
+                <a:ea typeface="Calibri" panose="020F0502020204030204" pitchFamily="34" charset="0"/>
+                <a:cs typeface="Calibri" panose="020F0502020204030204" pitchFamily="34" charset="0"/>
+              </a:rPr>
+              <a:t>extending its expertise</a:t>
+            </a:r>
+            <a:r>
+              <a:rPr lang="en-US" sz="2000" b="1" dirty="0">
+                <a:solidFill>
+                  <a:schemeClr val="bg2">
+                    <a:lumMod val="50000"/>
+                  </a:schemeClr>
+                </a:solidFill>
+                <a:latin typeface="Calibri" panose="020F0502020204030204" pitchFamily="34" charset="0"/>
+                <a:ea typeface="Calibri" panose="020F0502020204030204" pitchFamily="34" charset="0"/>
+                <a:cs typeface="Calibri" panose="020F0502020204030204" pitchFamily="34" charset="0"/>
+              </a:rPr>
+              <a:t> </a:t>
+            </a:r>
+            <a:r>
+              <a:rPr lang="en-US" sz="2000" dirty="0">
+                <a:solidFill>
+                  <a:schemeClr val="bg2">
+                    <a:lumMod val="50000"/>
+                  </a:schemeClr>
+                </a:solidFill>
+                <a:latin typeface="Calibri" panose="020F0502020204030204" pitchFamily="34" charset="0"/>
+                <a:ea typeface="Calibri" panose="020F0502020204030204" pitchFamily="34" charset="0"/>
+                <a:cs typeface="Calibri" panose="020F0502020204030204" pitchFamily="34" charset="0"/>
+              </a:rPr>
+              <a:t>from a vehicle manufacturer into a </a:t>
             </a:r>
             <a:r>
               <a:rPr lang="en-US" sz="2000" b="1" dirty="0">
@@ -22642,7 +22613,7 @@
             </a:r>
           </a:p>
           <a:p>
-            <a:pPr lvl="1"/>
+            <a:pPr lvl="1" algn="just"/>
             <a:r>
               <a:rPr lang="en-US" sz="2000" dirty="0">
                 <a:solidFill>
@@ -22680,9 +22651,22 @@
                 <a:ea typeface="Calibri" panose="020F0502020204030204" pitchFamily="34" charset="0"/>
                 <a:cs typeface="Calibri" panose="020F0502020204030204" pitchFamily="34" charset="0"/>
               </a:rPr>
-              <a:t>, our mission is to build</a:t>
-            </a:r>
-            <a:br>
+              <a:t>, our mission is to build </a:t>
+            </a:r>
+            <a:r>
+              <a:rPr lang="en-US" sz="2000" b="1" dirty="0">
+                <a:solidFill>
+                  <a:schemeClr val="bg2">
+                    <a:lumMod val="50000"/>
+                  </a:schemeClr>
+                </a:solidFill>
+                <a:latin typeface="Calibri" panose="020F0502020204030204" pitchFamily="34" charset="0"/>
+                <a:ea typeface="Calibri" panose="020F0502020204030204" pitchFamily="34" charset="0"/>
+                <a:cs typeface="Calibri" panose="020F0502020204030204" pitchFamily="34" charset="0"/>
+              </a:rPr>
+              <a:t>intelligent, connected, and predictive system failure</a:t>
+            </a:r>
+            <a:r>
               <a:rPr lang="en-US" sz="2000" dirty="0">
                 <a:solidFill>
                   <a:schemeClr val="bg2">
@@ -22693,32 +22677,7 @@
                 <a:ea typeface="Calibri" panose="020F0502020204030204" pitchFamily="34" charset="0"/>
                 <a:cs typeface="Calibri" panose="020F0502020204030204" pitchFamily="34" charset="0"/>
               </a:rPr>
-            </a:br>
-            <a:r>
-              <a:rPr lang="en-US" sz="2000" b="1" dirty="0">
-                <a:solidFill>
-                  <a:schemeClr val="bg2">
-                    <a:lumMod val="50000"/>
-                  </a:schemeClr>
-                </a:solidFill>
-                <a:latin typeface="Calibri" panose="020F0502020204030204" pitchFamily="34" charset="0"/>
-                <a:ea typeface="Calibri" panose="020F0502020204030204" pitchFamily="34" charset="0"/>
-                <a:cs typeface="Calibri" panose="020F0502020204030204" pitchFamily="34" charset="0"/>
-              </a:rPr>
-              <a:t>intelligent, connected, and predictive systems</a:t>
-            </a:r>
-            <a:r>
-              <a:rPr lang="en-US" sz="2000" dirty="0">
-                <a:solidFill>
-                  <a:schemeClr val="bg2">
-                    <a:lumMod val="50000"/>
-                  </a:schemeClr>
-                </a:solidFill>
-                <a:latin typeface="Calibri" panose="020F0502020204030204" pitchFamily="34" charset="0"/>
-                <a:ea typeface="Calibri" panose="020F0502020204030204" pitchFamily="34" charset="0"/>
-                <a:cs typeface="Calibri" panose="020F0502020204030204" pitchFamily="34" charset="0"/>
-              </a:rPr>
-              <a:t> that keep vehicles on the road longer and safer.</a:t>
+              <a:t> which helps to keep vehicles on the road longer and safer.</a:t>
             </a:r>
             <a:br>
               <a:rPr lang="en-US" sz="2000" dirty="0">
@@ -25289,7 +25248,7 @@
             <p:ph sz="half" idx="2"/>
             <p:extLst>
               <p:ext uri="{D42A27DB-BD31-4B8C-83A1-F6EECF244321}">
-                <p14:modId xmlns:p14="http://schemas.microsoft.com/office/powerpoint/2010/main" val="2471426104"/>
+                <p14:modId xmlns:p14="http://schemas.microsoft.com/office/powerpoint/2010/main" val="1699644008"/>
               </p:ext>
             </p:extLst>
           </p:nvPr>
@@ -27620,6 +27579,11 @@
           <a:prstGeom prst="rect">
             <a:avLst/>
           </a:prstGeom>
+          <a:ln>
+            <a:solidFill>
+              <a:schemeClr val="tx1"/>
+            </a:solidFill>
+          </a:ln>
         </p:spPr>
       </p:pic>
       <p:sp>
@@ -29373,9 +29337,16 @@
 <file path=customXml/itemProps2.xml><?xml version="1.0" encoding="utf-8"?>
 <ds:datastoreItem xmlns:ds="http://schemas.openxmlformats.org/officeDocument/2006/customXml" ds:itemID="{A4E879E6-8FFE-4154-8F2A-F7518B89B376}">
   <ds:schemaRefs>
+    <ds:schemaRef ds:uri="http://purl.org/dc/terms/"/>
     <ds:schemaRef ds:uri="http://schemas.microsoft.com/office/2006/metadata/properties"/>
+    <ds:schemaRef ds:uri="71af3243-3dd4-4a8d-8c0d-dd76da1f02a5"/>
+    <ds:schemaRef ds:uri="16c05727-aa75-4e4a-9b5f-8a80a1165891"/>
+    <ds:schemaRef ds:uri="http://schemas.microsoft.com/office/2006/documentManagement/types"/>
+    <ds:schemaRef ds:uri="http://purl.org/dc/elements/1.1/"/>
+    <ds:schemaRef ds:uri="http://purl.org/dc/dcmitype/"/>
     <ds:schemaRef ds:uri="http://schemas.microsoft.com/office/infopath/2007/PartnerControls"/>
-    <ds:schemaRef ds:uri="71af3243-3dd4-4a8d-8c0d-dd76da1f02a5"/>
+    <ds:schemaRef ds:uri="http://schemas.openxmlformats.org/package/2006/metadata/core-properties"/>
+    <ds:schemaRef ds:uri="http://www.w3.org/XML/1998/namespace"/>
   </ds:schemaRefs>
 </ds:datastoreItem>
 </file>
